--- a/Presentations/1.0  Seasonal adjustment.pptx
+++ b/Presentations/1.0  Seasonal adjustment.pptx
@@ -10519,7 +10519,7 @@
           <a:p>
             <a:r>
               <a:rPr lang="en-GB" dirty="0"/>
-              <a:t>Outline</a:t>
+              <a:t>0. Outline</a:t>
             </a:r>
           </a:p>
         </p:txBody>
